--- a/Document/모형도.pptx
+++ b/Document/모형도.pptx
@@ -104,6 +104,11 @@
       </a:defRPr>
     </a:lvl9pPr>
   </p:defaultTextStyle>
+  <p:extLst>
+    <p:ext uri="{EFAFB233-063F-42B5-8137-9DF3F51BA10A}">
+      <p15:sldGuideLst xmlns:p15="http://schemas.microsoft.com/office/powerpoint/2012/main"/>
+    </p:ext>
+  </p:extLst>
 </p:presentation>
 </file>
 
@@ -238,7 +243,7 @@
           <a:p>
             <a:fld id="{440E7744-EBC4-4A2D-B773-956BB76FD0F0}" type="datetimeFigureOut">
               <a:rPr lang="ko-KR" altLang="en-US" smtClean="0"/>
-              <a:t>2022-04-29</a:t>
+              <a:t>2022-05-27</a:t>
             </a:fld>
             <a:endParaRPr lang="ko-KR" altLang="en-US"/>
           </a:p>
@@ -408,7 +413,7 @@
           <a:p>
             <a:fld id="{440E7744-EBC4-4A2D-B773-956BB76FD0F0}" type="datetimeFigureOut">
               <a:rPr lang="ko-KR" altLang="en-US" smtClean="0"/>
-              <a:t>2022-04-29</a:t>
+              <a:t>2022-05-27</a:t>
             </a:fld>
             <a:endParaRPr lang="ko-KR" altLang="en-US"/>
           </a:p>
@@ -588,7 +593,7 @@
           <a:p>
             <a:fld id="{440E7744-EBC4-4A2D-B773-956BB76FD0F0}" type="datetimeFigureOut">
               <a:rPr lang="ko-KR" altLang="en-US" smtClean="0"/>
-              <a:t>2022-04-29</a:t>
+              <a:t>2022-05-27</a:t>
             </a:fld>
             <a:endParaRPr lang="ko-KR" altLang="en-US"/>
           </a:p>
@@ -758,7 +763,7 @@
           <a:p>
             <a:fld id="{440E7744-EBC4-4A2D-B773-956BB76FD0F0}" type="datetimeFigureOut">
               <a:rPr lang="ko-KR" altLang="en-US" smtClean="0"/>
-              <a:t>2022-04-29</a:t>
+              <a:t>2022-05-27</a:t>
             </a:fld>
             <a:endParaRPr lang="ko-KR" altLang="en-US"/>
           </a:p>
@@ -1004,7 +1009,7 @@
           <a:p>
             <a:fld id="{440E7744-EBC4-4A2D-B773-956BB76FD0F0}" type="datetimeFigureOut">
               <a:rPr lang="ko-KR" altLang="en-US" smtClean="0"/>
-              <a:t>2022-04-29</a:t>
+              <a:t>2022-05-27</a:t>
             </a:fld>
             <a:endParaRPr lang="ko-KR" altLang="en-US"/>
           </a:p>
@@ -1236,7 +1241,7 @@
           <a:p>
             <a:fld id="{440E7744-EBC4-4A2D-B773-956BB76FD0F0}" type="datetimeFigureOut">
               <a:rPr lang="ko-KR" altLang="en-US" smtClean="0"/>
-              <a:t>2022-04-29</a:t>
+              <a:t>2022-05-27</a:t>
             </a:fld>
             <a:endParaRPr lang="ko-KR" altLang="en-US"/>
           </a:p>
@@ -1603,7 +1608,7 @@
           <a:p>
             <a:fld id="{440E7744-EBC4-4A2D-B773-956BB76FD0F0}" type="datetimeFigureOut">
               <a:rPr lang="ko-KR" altLang="en-US" smtClean="0"/>
-              <a:t>2022-04-29</a:t>
+              <a:t>2022-05-27</a:t>
             </a:fld>
             <a:endParaRPr lang="ko-KR" altLang="en-US"/>
           </a:p>
@@ -1721,7 +1726,7 @@
           <a:p>
             <a:fld id="{440E7744-EBC4-4A2D-B773-956BB76FD0F0}" type="datetimeFigureOut">
               <a:rPr lang="ko-KR" altLang="en-US" smtClean="0"/>
-              <a:t>2022-04-29</a:t>
+              <a:t>2022-05-27</a:t>
             </a:fld>
             <a:endParaRPr lang="ko-KR" altLang="en-US"/>
           </a:p>
@@ -1816,7 +1821,7 @@
           <a:p>
             <a:fld id="{440E7744-EBC4-4A2D-B773-956BB76FD0F0}" type="datetimeFigureOut">
               <a:rPr lang="ko-KR" altLang="en-US" smtClean="0"/>
-              <a:t>2022-04-29</a:t>
+              <a:t>2022-05-27</a:t>
             </a:fld>
             <a:endParaRPr lang="ko-KR" altLang="en-US"/>
           </a:p>
@@ -2093,7 +2098,7 @@
           <a:p>
             <a:fld id="{440E7744-EBC4-4A2D-B773-956BB76FD0F0}" type="datetimeFigureOut">
               <a:rPr lang="ko-KR" altLang="en-US" smtClean="0"/>
-              <a:t>2022-04-29</a:t>
+              <a:t>2022-05-27</a:t>
             </a:fld>
             <a:endParaRPr lang="ko-KR" altLang="en-US"/>
           </a:p>
@@ -2346,7 +2351,7 @@
           <a:p>
             <a:fld id="{440E7744-EBC4-4A2D-B773-956BB76FD0F0}" type="datetimeFigureOut">
               <a:rPr lang="ko-KR" altLang="en-US" smtClean="0"/>
-              <a:t>2022-04-29</a:t>
+              <a:t>2022-05-27</a:t>
             </a:fld>
             <a:endParaRPr lang="ko-KR" altLang="en-US"/>
           </a:p>
@@ -2559,7 +2564,7 @@
           <a:p>
             <a:fld id="{440E7744-EBC4-4A2D-B773-956BB76FD0F0}" type="datetimeFigureOut">
               <a:rPr lang="ko-KR" altLang="en-US" smtClean="0"/>
-              <a:t>2022-04-29</a:t>
+              <a:t>2022-05-27</a:t>
             </a:fld>
             <a:endParaRPr lang="ko-KR" altLang="en-US"/>
           </a:p>
@@ -2972,7 +2977,7 @@
         </p:nvSpPr>
         <p:spPr>
           <a:xfrm>
-            <a:off x="2774597" y="1381411"/>
+            <a:off x="3753652" y="1344466"/>
             <a:ext cx="2032872" cy="1075303"/>
           </a:xfrm>
           <a:prstGeom prst="roundRect">
@@ -3016,7 +3021,7 @@
         </p:nvSpPr>
         <p:spPr>
           <a:xfrm>
-            <a:off x="7197466" y="1381411"/>
+            <a:off x="8176521" y="1344466"/>
             <a:ext cx="1813102" cy="718177"/>
           </a:xfrm>
           <a:prstGeom prst="roundRect">
@@ -3052,50 +3057,6 @@
           </a:p>
         </p:txBody>
       </p:sp>
-      <p:sp>
-        <p:nvSpPr>
-          <p:cNvPr id="6" name="모서리가 둥근 직사각형 5"/>
-          <p:cNvSpPr/>
-          <p:nvPr/>
-        </p:nvSpPr>
-        <p:spPr>
-          <a:xfrm>
-            <a:off x="7578139" y="3586960"/>
-            <a:ext cx="1432429" cy="690706"/>
-          </a:xfrm>
-          <a:prstGeom prst="roundRect">
-            <a:avLst/>
-          </a:prstGeom>
-        </p:spPr>
-        <p:style>
-          <a:lnRef idx="2">
-            <a:schemeClr val="accent1">
-              <a:shade val="50000"/>
-            </a:schemeClr>
-          </a:lnRef>
-          <a:fillRef idx="1">
-            <a:schemeClr val="accent1"/>
-          </a:fillRef>
-          <a:effectRef idx="0">
-            <a:schemeClr val="accent1"/>
-          </a:effectRef>
-          <a:fontRef idx="minor">
-            <a:schemeClr val="lt1"/>
-          </a:fontRef>
-        </p:style>
-        <p:txBody>
-          <a:bodyPr rtlCol="0" anchor="ctr"/>
-          <a:lstStyle/>
-          <a:p>
-            <a:pPr algn="ctr"/>
-            <a:r>
-              <a:rPr lang="ko-KR" altLang="en-US" smtClean="0"/>
-              <a:t>싱크</a:t>
-            </a:r>
-            <a:endParaRPr lang="ko-KR" altLang="en-US"/>
-          </a:p>
-        </p:txBody>
-      </p:sp>
       <p:cxnSp>
         <p:nvCxnSpPr>
           <p:cNvPr id="8" name="직선 연결선 7"/>
@@ -3104,7 +3065,7 @@
         </p:nvCxnSpPr>
         <p:spPr>
           <a:xfrm flipV="1">
-            <a:off x="8523935" y="2099588"/>
+            <a:off x="9502990" y="2062643"/>
             <a:ext cx="0" cy="1487372"/>
           </a:xfrm>
           <a:prstGeom prst="line">
@@ -3135,7 +3096,7 @@
         </p:nvCxnSpPr>
         <p:spPr>
           <a:xfrm flipH="1">
-            <a:off x="4807469" y="1589408"/>
+            <a:off x="5786524" y="1552463"/>
             <a:ext cx="2389997" cy="0"/>
           </a:xfrm>
           <a:prstGeom prst="line">
@@ -3166,8 +3127,8 @@
         </p:nvCxnSpPr>
         <p:spPr>
           <a:xfrm>
-            <a:off x="4806538" y="2234598"/>
-            <a:ext cx="2979717" cy="6719"/>
+            <a:off x="651164" y="2894424"/>
+            <a:ext cx="2938056" cy="0"/>
           </a:xfrm>
           <a:prstGeom prst="line">
             <a:avLst/>
@@ -3196,44 +3157,6 @@
           </a:fontRef>
         </p:style>
       </p:cxnSp>
-      <p:cxnSp>
-        <p:nvCxnSpPr>
-          <p:cNvPr id="13" name="직선 연결선 12"/>
-          <p:cNvCxnSpPr/>
-          <p:nvPr/>
-        </p:nvCxnSpPr>
-        <p:spPr>
-          <a:xfrm flipV="1">
-            <a:off x="7786255" y="2241317"/>
-            <a:ext cx="1" cy="1345643"/>
-          </a:xfrm>
-          <a:prstGeom prst="line">
-            <a:avLst/>
-          </a:prstGeom>
-          <a:ln w="25400">
-            <a:solidFill>
-              <a:schemeClr val="bg2">
-                <a:lumMod val="50000"/>
-              </a:schemeClr>
-            </a:solidFill>
-            <a:prstDash val="sysDash"/>
-          </a:ln>
-        </p:spPr>
-        <p:style>
-          <a:lnRef idx="1">
-            <a:schemeClr val="accent1"/>
-          </a:lnRef>
-          <a:fillRef idx="0">
-            <a:schemeClr val="accent1"/>
-          </a:fillRef>
-          <a:effectRef idx="0">
-            <a:schemeClr val="accent1"/>
-          </a:effectRef>
-          <a:fontRef idx="minor">
-            <a:schemeClr val="tx1"/>
-          </a:fontRef>
-        </p:style>
-      </p:cxnSp>
       <p:sp>
         <p:nvSpPr>
           <p:cNvPr id="16" name="TextBox 15"/>
@@ -3242,7 +3165,7 @@
         </p:nvSpPr>
         <p:spPr>
           <a:xfrm>
-            <a:off x="4459351" y="1460477"/>
+            <a:off x="5438406" y="1423532"/>
             <a:ext cx="484938" cy="230832"/>
           </a:xfrm>
           <a:prstGeom prst="rect">
@@ -3266,13 +3189,13 @@
       </p:sp>
       <p:sp>
         <p:nvSpPr>
-          <p:cNvPr id="17" name="TextBox 16"/>
+          <p:cNvPr id="18" name="TextBox 17"/>
           <p:cNvSpPr txBox="1"/>
           <p:nvPr/>
         </p:nvSpPr>
         <p:spPr>
           <a:xfrm>
-            <a:off x="4492447" y="2007125"/>
+            <a:off x="9479492" y="2628477"/>
             <a:ext cx="484938" cy="230832"/>
           </a:xfrm>
           <a:prstGeom prst="rect">
@@ -3287,70 +3210,10 @@
           <a:lstStyle/>
           <a:p>
             <a:r>
-              <a:rPr lang="ko-KR" altLang="en-US" sz="900" dirty="0" smtClean="0"/>
-              <a:t>배수</a:t>
-            </a:r>
-            <a:endParaRPr lang="ko-KR" altLang="en-US" sz="900" dirty="0"/>
-          </a:p>
-        </p:txBody>
-      </p:sp>
-      <p:sp>
-        <p:nvSpPr>
-          <p:cNvPr id="18" name="TextBox 17"/>
-          <p:cNvSpPr txBox="1"/>
-          <p:nvPr/>
-        </p:nvSpPr>
-        <p:spPr>
-          <a:xfrm>
-            <a:off x="8500437" y="2665422"/>
-            <a:ext cx="484938" cy="230832"/>
-          </a:xfrm>
-          <a:prstGeom prst="rect">
-            <a:avLst/>
-          </a:prstGeom>
-          <a:noFill/>
-        </p:spPr>
-        <p:txBody>
-          <a:bodyPr wrap="square" rtlCol="0">
-            <a:spAutoFit/>
-          </a:bodyPr>
-          <a:lstStyle/>
-          <a:p>
-            <a:r>
               <a:rPr lang="ko-KR" altLang="en-US" sz="900" smtClean="0"/>
               <a:t>급수</a:t>
             </a:r>
             <a:endParaRPr lang="ko-KR" altLang="en-US" sz="900"/>
-          </a:p>
-        </p:txBody>
-      </p:sp>
-      <p:sp>
-        <p:nvSpPr>
-          <p:cNvPr id="19" name="TextBox 18"/>
-          <p:cNvSpPr txBox="1"/>
-          <p:nvPr/>
-        </p:nvSpPr>
-        <p:spPr>
-          <a:xfrm>
-            <a:off x="7415940" y="2837359"/>
-            <a:ext cx="484938" cy="230832"/>
-          </a:xfrm>
-          <a:prstGeom prst="rect">
-            <a:avLst/>
-          </a:prstGeom>
-          <a:noFill/>
-        </p:spPr>
-        <p:txBody>
-          <a:bodyPr wrap="square" rtlCol="0">
-            <a:spAutoFit/>
-          </a:bodyPr>
-          <a:lstStyle/>
-          <a:p>
-            <a:r>
-              <a:rPr lang="ko-KR" altLang="en-US" sz="900" dirty="0" smtClean="0"/>
-              <a:t>배수</a:t>
-            </a:r>
-            <a:endParaRPr lang="ko-KR" altLang="en-US" sz="900" dirty="0"/>
           </a:p>
         </p:txBody>
       </p:sp>
@@ -3361,8 +3224,8 @@
           <p:nvPr/>
         </p:nvSpPr>
         <p:spPr>
-          <a:xfrm>
-            <a:off x="5016313" y="1991068"/>
+          <a:xfrm rot="16200000">
+            <a:off x="3686716" y="2680791"/>
             <a:ext cx="273642" cy="427268"/>
           </a:xfrm>
           <a:prstGeom prst="flowChartCollate">
@@ -3406,7 +3269,7 @@
         </p:nvSpPr>
         <p:spPr>
           <a:xfrm>
-            <a:off x="4633820" y="1117588"/>
+            <a:off x="5612875" y="1080643"/>
             <a:ext cx="1104145" cy="230832"/>
           </a:xfrm>
           <a:prstGeom prst="rect">
@@ -3448,7 +3311,7 @@
         </p:blipFill>
         <p:spPr>
           <a:xfrm>
-            <a:off x="3791033" y="3841846"/>
+            <a:off x="4770088" y="3804901"/>
             <a:ext cx="2310678" cy="1165706"/>
           </a:xfrm>
           <a:prstGeom prst="rect">
@@ -3464,7 +3327,7 @@
         </p:nvSpPr>
         <p:spPr>
           <a:xfrm>
-            <a:off x="5016313" y="1375774"/>
+            <a:off x="5995368" y="1338829"/>
             <a:ext cx="273642" cy="427268"/>
           </a:xfrm>
           <a:prstGeom prst="flowChartCollate">
@@ -3500,45 +3363,6 @@
           </a:p>
         </p:txBody>
       </p:sp>
-      <p:cxnSp>
-        <p:nvCxnSpPr>
-          <p:cNvPr id="30" name="직선 연결선 29"/>
-          <p:cNvCxnSpPr>
-            <a:endCxn id="26" idx="2"/>
-          </p:cNvCxnSpPr>
-          <p:nvPr/>
-        </p:nvCxnSpPr>
-        <p:spPr>
-          <a:xfrm flipV="1">
-            <a:off x="5153134" y="2418336"/>
-            <a:ext cx="0" cy="1513977"/>
-          </a:xfrm>
-          <a:prstGeom prst="line">
-            <a:avLst/>
-          </a:prstGeom>
-          <a:ln w="25400">
-            <a:solidFill>
-              <a:schemeClr val="accent6">
-                <a:lumMod val="75000"/>
-              </a:schemeClr>
-            </a:solidFill>
-          </a:ln>
-        </p:spPr>
-        <p:style>
-          <a:lnRef idx="1">
-            <a:schemeClr val="accent1"/>
-          </a:lnRef>
-          <a:fillRef idx="0">
-            <a:schemeClr val="accent1"/>
-          </a:fillRef>
-          <a:effectRef idx="0">
-            <a:schemeClr val="accent1"/>
-          </a:effectRef>
-          <a:fontRef idx="minor">
-            <a:schemeClr val="tx1"/>
-          </a:fontRef>
-        </p:style>
-      </p:cxnSp>
       <p:cxnSp>
         <p:nvCxnSpPr>
           <p:cNvPr id="33" name="꺾인 연결선 32"/>
@@ -3549,7 +3373,7 @@
         </p:nvCxnSpPr>
         <p:spPr>
           <a:xfrm rot="16200000" flipH="1">
-            <a:off x="4252271" y="2490270"/>
+            <a:off x="5231326" y="2453325"/>
             <a:ext cx="2590047" cy="788322"/>
           </a:xfrm>
           <a:prstGeom prst="bentConnector3">
@@ -3588,7 +3412,7 @@
         </p:nvSpPr>
         <p:spPr>
           <a:xfrm>
-            <a:off x="6477084" y="4744390"/>
+            <a:off x="7456139" y="4707445"/>
             <a:ext cx="1214581" cy="447963"/>
           </a:xfrm>
           <a:prstGeom prst="rect">
@@ -3637,7 +3461,7 @@
         </p:nvCxnSpPr>
         <p:spPr>
           <a:xfrm>
-            <a:off x="5880069" y="4438291"/>
+            <a:off x="6859124" y="4401346"/>
             <a:ext cx="597015" cy="530081"/>
           </a:xfrm>
           <a:prstGeom prst="bentConnector3">
@@ -3670,18 +3494,21 @@
       </p:cxnSp>
       <p:sp>
         <p:nvSpPr>
-          <p:cNvPr id="45" name="순서도: 지연 44"/>
+          <p:cNvPr id="52" name="폭발 1 51"/>
           <p:cNvSpPr/>
           <p:nvPr/>
         </p:nvSpPr>
         <p:spPr>
           <a:xfrm>
-            <a:off x="6114583" y="2081943"/>
-            <a:ext cx="480291" cy="318748"/>
-          </a:xfrm>
-          <a:prstGeom prst="flowChartDelay">
+            <a:off x="3989382" y="900554"/>
+            <a:ext cx="431196" cy="438275"/>
+          </a:xfrm>
+          <a:prstGeom prst="irregularSeal1">
             <a:avLst/>
           </a:prstGeom>
+          <a:solidFill>
+            <a:srgbClr val="FF0000"/>
+          </a:solidFill>
         </p:spPr>
         <p:style>
           <a:lnRef idx="2">
@@ -3704,170 +3531,11 @@
           <a:lstStyle/>
           <a:p>
             <a:pPr algn="ctr"/>
-            <a:endParaRPr lang="ko-KR" altLang="en-US"/>
-          </a:p>
-        </p:txBody>
-      </p:sp>
-      <p:sp>
-        <p:nvSpPr>
-          <p:cNvPr id="46" name="TextBox 45"/>
-          <p:cNvSpPr txBox="1"/>
-          <p:nvPr/>
-        </p:nvSpPr>
-        <p:spPr>
-          <a:xfrm>
-            <a:off x="6012015" y="2399895"/>
-            <a:ext cx="667119" cy="230832"/>
-          </a:xfrm>
-          <a:prstGeom prst="rect">
-            <a:avLst/>
-          </a:prstGeom>
-          <a:noFill/>
-        </p:spPr>
-        <p:txBody>
-          <a:bodyPr wrap="square" rtlCol="0">
-            <a:spAutoFit/>
-          </a:bodyPr>
-          <a:lstStyle/>
-          <a:p>
-            <a:r>
-              <a:rPr lang="ko-KR" altLang="en-US" sz="900" smtClean="0"/>
-              <a:t>워터펌프</a:t>
-            </a:r>
-            <a:endParaRPr lang="ko-KR" altLang="en-US" sz="900" dirty="0"/>
-          </a:p>
-        </p:txBody>
-      </p:sp>
-      <p:cxnSp>
-        <p:nvCxnSpPr>
-          <p:cNvPr id="47" name="꺾인 연결선 46"/>
-          <p:cNvCxnSpPr>
-            <a:stCxn id="45" idx="2"/>
-          </p:cNvCxnSpPr>
-          <p:nvPr/>
-        </p:nvCxnSpPr>
-        <p:spPr>
-          <a:xfrm rot="5400000">
-            <a:off x="4850568" y="2428152"/>
-            <a:ext cx="1531622" cy="1476701"/>
-          </a:xfrm>
-          <a:prstGeom prst="bentConnector3">
-            <a:avLst>
-              <a:gd name="adj1" fmla="val 50000"/>
-            </a:avLst>
-          </a:prstGeom>
-          <a:ln w="25400">
-            <a:solidFill>
-              <a:srgbClr val="FFFF00"/>
-            </a:solidFill>
-          </a:ln>
-        </p:spPr>
-        <p:style>
-          <a:lnRef idx="1">
-            <a:schemeClr val="accent1"/>
-          </a:lnRef>
-          <a:fillRef idx="0">
-            <a:schemeClr val="accent1"/>
-          </a:fillRef>
-          <a:effectRef idx="0">
-            <a:schemeClr val="accent1"/>
-          </a:effectRef>
-          <a:fontRef idx="minor">
-            <a:schemeClr val="tx1"/>
-          </a:fontRef>
-        </p:style>
-      </p:cxnSp>
-      <p:sp>
-        <p:nvSpPr>
-          <p:cNvPr id="52" name="폭발 1 51"/>
-          <p:cNvSpPr/>
-          <p:nvPr/>
-        </p:nvSpPr>
-        <p:spPr>
-          <a:xfrm>
-            <a:off x="3010327" y="937499"/>
-            <a:ext cx="431196" cy="438275"/>
-          </a:xfrm>
-          <a:prstGeom prst="irregularSeal1">
-            <a:avLst/>
-          </a:prstGeom>
-          <a:solidFill>
-            <a:srgbClr val="FF0000"/>
-          </a:solidFill>
-        </p:spPr>
-        <p:style>
-          <a:lnRef idx="2">
-            <a:schemeClr val="accent1">
-              <a:shade val="50000"/>
-            </a:schemeClr>
-          </a:lnRef>
-          <a:fillRef idx="1">
-            <a:schemeClr val="accent1"/>
-          </a:fillRef>
-          <a:effectRef idx="0">
-            <a:schemeClr val="accent1"/>
-          </a:effectRef>
-          <a:fontRef idx="minor">
-            <a:schemeClr val="lt1"/>
-          </a:fontRef>
-        </p:style>
-        <p:txBody>
-          <a:bodyPr rtlCol="0" anchor="ctr"/>
-          <a:lstStyle/>
-          <a:p>
-            <a:pPr algn="ctr"/>
             <a:r>
               <a:rPr lang="ko-KR" altLang="en-US" sz="700" dirty="0" smtClean="0"/>
               <a:t>조명</a:t>
             </a:r>
             <a:endParaRPr lang="ko-KR" altLang="en-US" dirty="0"/>
-          </a:p>
-        </p:txBody>
-      </p:sp>
-      <p:sp>
-        <p:nvSpPr>
-          <p:cNvPr id="53" name="순서도: 천공 테이프 52"/>
-          <p:cNvSpPr/>
-          <p:nvPr/>
-        </p:nvSpPr>
-        <p:spPr>
-          <a:xfrm>
-            <a:off x="2123096" y="1348420"/>
-            <a:ext cx="584437" cy="342889"/>
-          </a:xfrm>
-          <a:prstGeom prst="flowChartPunchedTape">
-            <a:avLst/>
-          </a:prstGeom>
-          <a:solidFill>
-            <a:schemeClr val="accent6"/>
-          </a:solidFill>
-        </p:spPr>
-        <p:style>
-          <a:lnRef idx="2">
-            <a:schemeClr val="accent1">
-              <a:shade val="50000"/>
-            </a:schemeClr>
-          </a:lnRef>
-          <a:fillRef idx="1">
-            <a:schemeClr val="accent1"/>
-          </a:fillRef>
-          <a:effectRef idx="0">
-            <a:schemeClr val="accent1"/>
-          </a:effectRef>
-          <a:fontRef idx="minor">
-            <a:schemeClr val="lt1"/>
-          </a:fontRef>
-        </p:style>
-        <p:txBody>
-          <a:bodyPr rtlCol="0" anchor="ctr"/>
-          <a:lstStyle/>
-          <a:p>
-            <a:pPr algn="ctr"/>
-            <a:r>
-              <a:rPr lang="ko-KR" altLang="en-US" sz="1050" smtClean="0"/>
-              <a:t>여과기</a:t>
-            </a:r>
-            <a:endParaRPr lang="ko-KR" altLang="en-US" sz="1050"/>
           </a:p>
         </p:txBody>
       </p:sp>
@@ -3879,7 +3547,7 @@
         </p:nvSpPr>
         <p:spPr>
           <a:xfrm>
-            <a:off x="2123096" y="1910308"/>
+            <a:off x="3601850" y="3405487"/>
             <a:ext cx="584437" cy="342889"/>
           </a:xfrm>
           <a:prstGeom prst="flowChartPunchedTape">
@@ -3928,50 +3596,13 @@
         </p:nvCxnSpPr>
         <p:spPr>
           <a:xfrm rot="10800000" flipH="1" flipV="1">
-            <a:off x="2123096" y="2081753"/>
+            <a:off x="3601850" y="3576932"/>
             <a:ext cx="2179036" cy="1850560"/>
           </a:xfrm>
           <a:prstGeom prst="bentConnector3">
             <a:avLst>
               <a:gd name="adj1" fmla="val -10491"/>
             </a:avLst>
-          </a:prstGeom>
-          <a:ln w="25400">
-            <a:solidFill>
-              <a:srgbClr val="FFFF00"/>
-            </a:solidFill>
-          </a:ln>
-        </p:spPr>
-        <p:style>
-          <a:lnRef idx="1">
-            <a:schemeClr val="accent1"/>
-          </a:lnRef>
-          <a:fillRef idx="0">
-            <a:schemeClr val="accent1"/>
-          </a:fillRef>
-          <a:effectRef idx="0">
-            <a:schemeClr val="accent1"/>
-          </a:effectRef>
-          <a:fontRef idx="minor">
-            <a:schemeClr val="tx1"/>
-          </a:fontRef>
-        </p:style>
-      </p:cxnSp>
-      <p:cxnSp>
-        <p:nvCxnSpPr>
-          <p:cNvPr id="63" name="꺾인 연결선 62"/>
-          <p:cNvCxnSpPr>
-            <a:stCxn id="53" idx="1"/>
-          </p:cNvCxnSpPr>
-          <p:nvPr/>
-        </p:nvCxnSpPr>
-        <p:spPr>
-          <a:xfrm rot="10800000" flipV="1">
-            <a:off x="1901544" y="1519865"/>
-            <a:ext cx="221553" cy="668584"/>
-          </a:xfrm>
-          <a:prstGeom prst="bentConnector2">
-            <a:avLst/>
           </a:prstGeom>
           <a:ln w="25400">
             <a:solidFill>
@@ -4002,8 +3633,8 @@
         </p:nvCxnSpPr>
         <p:spPr>
           <a:xfrm rot="16200000" flipH="1">
-            <a:off x="2335227" y="1786299"/>
-            <a:ext cx="2823177" cy="1468850"/>
+            <a:off x="3195407" y="1630477"/>
+            <a:ext cx="2471833" cy="2057946"/>
           </a:xfrm>
           <a:prstGeom prst="bentConnector3">
             <a:avLst>
@@ -4031,6 +3662,306 @@
           </a:fontRef>
         </p:style>
       </p:cxnSp>
+      <p:cxnSp>
+        <p:nvCxnSpPr>
+          <p:cNvPr id="3" name="직선 연결선 2"/>
+          <p:cNvCxnSpPr/>
+          <p:nvPr/>
+        </p:nvCxnSpPr>
+        <p:spPr>
+          <a:xfrm flipV="1">
+            <a:off x="5780886" y="4931427"/>
+            <a:ext cx="0" cy="496066"/>
+          </a:xfrm>
+          <a:prstGeom prst="line">
+            <a:avLst/>
+          </a:prstGeom>
+          <a:ln w="25400">
+            <a:solidFill>
+              <a:srgbClr val="FFFF00"/>
+            </a:solidFill>
+          </a:ln>
+        </p:spPr>
+        <p:style>
+          <a:lnRef idx="1">
+            <a:schemeClr val="accent1"/>
+          </a:lnRef>
+          <a:fillRef idx="0">
+            <a:schemeClr val="accent1"/>
+          </a:fillRef>
+          <a:effectRef idx="0">
+            <a:schemeClr val="accent1"/>
+          </a:effectRef>
+          <a:fontRef idx="minor">
+            <a:schemeClr val="tx1"/>
+          </a:fontRef>
+        </p:style>
+      </p:cxnSp>
+      <p:cxnSp>
+        <p:nvCxnSpPr>
+          <p:cNvPr id="38" name="꺾인 연결선 37"/>
+          <p:cNvCxnSpPr>
+            <a:endCxn id="52" idx="1"/>
+          </p:cNvCxnSpPr>
+          <p:nvPr/>
+        </p:nvCxnSpPr>
+        <p:spPr>
+          <a:xfrm flipV="1">
+            <a:off x="3360985" y="1075357"/>
+            <a:ext cx="628397" cy="342539"/>
+          </a:xfrm>
+          <a:prstGeom prst="bentConnector3">
+            <a:avLst>
+              <a:gd name="adj1" fmla="val 50000"/>
+            </a:avLst>
+          </a:prstGeom>
+          <a:ln w="25400">
+            <a:solidFill>
+              <a:srgbClr val="FFFF00"/>
+            </a:solidFill>
+          </a:ln>
+        </p:spPr>
+        <p:style>
+          <a:lnRef idx="1">
+            <a:schemeClr val="accent1"/>
+          </a:lnRef>
+          <a:fillRef idx="0">
+            <a:schemeClr val="accent1"/>
+          </a:fillRef>
+          <a:effectRef idx="0">
+            <a:schemeClr val="accent1"/>
+          </a:effectRef>
+          <a:fontRef idx="minor">
+            <a:schemeClr val="tx1"/>
+          </a:fontRef>
+        </p:style>
+      </p:cxnSp>
+      <p:cxnSp>
+        <p:nvCxnSpPr>
+          <p:cNvPr id="41" name="직선 연결선 40"/>
+          <p:cNvCxnSpPr/>
+          <p:nvPr/>
+        </p:nvCxnSpPr>
+        <p:spPr>
+          <a:xfrm>
+            <a:off x="4111655" y="2261860"/>
+            <a:ext cx="0" cy="1134424"/>
+          </a:xfrm>
+          <a:prstGeom prst="line">
+            <a:avLst/>
+          </a:prstGeom>
+          <a:ln w="25400"/>
+        </p:spPr>
+        <p:style>
+          <a:lnRef idx="1">
+            <a:schemeClr val="accent1"/>
+          </a:lnRef>
+          <a:fillRef idx="0">
+            <a:schemeClr val="accent1"/>
+          </a:fillRef>
+          <a:effectRef idx="0">
+            <a:schemeClr val="accent1"/>
+          </a:effectRef>
+          <a:fontRef idx="minor">
+            <a:schemeClr val="tx1"/>
+          </a:fontRef>
+        </p:style>
+      </p:cxnSp>
+      <p:cxnSp>
+        <p:nvCxnSpPr>
+          <p:cNvPr id="66" name="직선 연결선 65"/>
+          <p:cNvCxnSpPr/>
+          <p:nvPr/>
+        </p:nvCxnSpPr>
+        <p:spPr>
+          <a:xfrm flipH="1" flipV="1">
+            <a:off x="3813999" y="2201012"/>
+            <a:ext cx="1189" cy="1232899"/>
+          </a:xfrm>
+          <a:prstGeom prst="line">
+            <a:avLst/>
+          </a:prstGeom>
+          <a:ln w="25400">
+            <a:solidFill>
+              <a:schemeClr val="bg2">
+                <a:lumMod val="50000"/>
+              </a:schemeClr>
+            </a:solidFill>
+            <a:prstDash val="sysDash"/>
+          </a:ln>
+        </p:spPr>
+        <p:style>
+          <a:lnRef idx="1">
+            <a:schemeClr val="accent1"/>
+          </a:lnRef>
+          <a:fillRef idx="0">
+            <a:schemeClr val="accent1"/>
+          </a:fillRef>
+          <a:effectRef idx="0">
+            <a:schemeClr val="accent1"/>
+          </a:effectRef>
+          <a:fontRef idx="minor">
+            <a:schemeClr val="tx1"/>
+          </a:fontRef>
+        </p:style>
+      </p:cxnSp>
+      <p:sp>
+        <p:nvSpPr>
+          <p:cNvPr id="72" name="TextBox 71"/>
+          <p:cNvSpPr txBox="1"/>
+          <p:nvPr/>
+        </p:nvSpPr>
+        <p:spPr>
+          <a:xfrm>
+            <a:off x="4092456" y="2701177"/>
+            <a:ext cx="484938" cy="230832"/>
+          </a:xfrm>
+          <a:prstGeom prst="rect">
+            <a:avLst/>
+          </a:prstGeom>
+          <a:noFill/>
+        </p:spPr>
+        <p:txBody>
+          <a:bodyPr wrap="square" rtlCol="0">
+            <a:spAutoFit/>
+          </a:bodyPr>
+          <a:lstStyle/>
+          <a:p>
+            <a:r>
+              <a:rPr lang="ko-KR" altLang="en-US" sz="900" smtClean="0"/>
+              <a:t>급수</a:t>
+            </a:r>
+            <a:endParaRPr lang="ko-KR" altLang="en-US" sz="900"/>
+          </a:p>
+        </p:txBody>
+      </p:sp>
+      <p:sp>
+        <p:nvSpPr>
+          <p:cNvPr id="73" name="TextBox 72"/>
+          <p:cNvSpPr txBox="1"/>
+          <p:nvPr/>
+        </p:nvSpPr>
+        <p:spPr>
+          <a:xfrm>
+            <a:off x="3372499" y="3048577"/>
+            <a:ext cx="484938" cy="230832"/>
+          </a:xfrm>
+          <a:prstGeom prst="rect">
+            <a:avLst/>
+          </a:prstGeom>
+          <a:noFill/>
+        </p:spPr>
+        <p:txBody>
+          <a:bodyPr wrap="square" rtlCol="0">
+            <a:spAutoFit/>
+          </a:bodyPr>
+          <a:lstStyle/>
+          <a:p>
+            <a:r>
+              <a:rPr lang="ko-KR" altLang="en-US" sz="900" dirty="0" smtClean="0"/>
+              <a:t>배수</a:t>
+            </a:r>
+            <a:endParaRPr lang="ko-KR" altLang="en-US" sz="900" dirty="0"/>
+          </a:p>
+        </p:txBody>
+      </p:sp>
+      <p:cxnSp>
+        <p:nvCxnSpPr>
+          <p:cNvPr id="80" name="꺾인 연결선 79"/>
+          <p:cNvCxnSpPr>
+            <a:stCxn id="26" idx="2"/>
+          </p:cNvCxnSpPr>
+          <p:nvPr/>
+        </p:nvCxnSpPr>
+        <p:spPr>
+          <a:xfrm>
+            <a:off x="4037171" y="2894425"/>
+            <a:ext cx="2488717" cy="1019548"/>
+          </a:xfrm>
+          <a:prstGeom prst="bentConnector3">
+            <a:avLst>
+              <a:gd name="adj1" fmla="val 100288"/>
+            </a:avLst>
+          </a:prstGeom>
+          <a:ln w="25400">
+            <a:solidFill>
+              <a:schemeClr val="accent6">
+                <a:lumMod val="75000"/>
+              </a:schemeClr>
+            </a:solidFill>
+          </a:ln>
+        </p:spPr>
+        <p:style>
+          <a:lnRef idx="1">
+            <a:schemeClr val="accent1"/>
+          </a:lnRef>
+          <a:fillRef idx="0">
+            <a:schemeClr val="accent1"/>
+          </a:fillRef>
+          <a:effectRef idx="0">
+            <a:schemeClr val="accent1"/>
+          </a:effectRef>
+          <a:fontRef idx="minor">
+            <a:schemeClr val="tx1"/>
+          </a:fontRef>
+        </p:style>
+      </p:cxnSp>
+      <p:sp>
+        <p:nvSpPr>
+          <p:cNvPr id="83" name="한쪽 모서리가 둥근 사각형 82"/>
+          <p:cNvSpPr/>
+          <p:nvPr/>
+        </p:nvSpPr>
+        <p:spPr>
+          <a:xfrm>
+            <a:off x="277091" y="2115127"/>
+            <a:ext cx="1427018" cy="4368800"/>
+          </a:xfrm>
+          <a:prstGeom prst="round1Rect">
+            <a:avLst/>
+          </a:prstGeom>
+          <a:noFill/>
+          <a:ln w="22225">
+            <a:prstDash val="sysDash"/>
+          </a:ln>
+        </p:spPr>
+        <p:style>
+          <a:lnRef idx="2">
+            <a:schemeClr val="accent1">
+              <a:shade val="50000"/>
+            </a:schemeClr>
+          </a:lnRef>
+          <a:fillRef idx="1">
+            <a:schemeClr val="accent1"/>
+          </a:fillRef>
+          <a:effectRef idx="0">
+            <a:schemeClr val="accent1"/>
+          </a:effectRef>
+          <a:fontRef idx="minor">
+            <a:schemeClr val="lt1"/>
+          </a:fontRef>
+        </p:style>
+        <p:txBody>
+          <a:bodyPr rtlCol="0" anchor="ctr"/>
+          <a:lstStyle/>
+          <a:p>
+            <a:pPr algn="ctr"/>
+            <a:r>
+              <a:rPr lang="ko-KR" altLang="en-US" dirty="0" smtClean="0">
+                <a:solidFill>
+                  <a:schemeClr val="tx1"/>
+                </a:solidFill>
+              </a:rPr>
+              <a:t>베란다</a:t>
+            </a:r>
+            <a:endParaRPr lang="ko-KR" altLang="en-US" dirty="0">
+              <a:solidFill>
+                <a:schemeClr val="tx1"/>
+              </a:solidFill>
+            </a:endParaRPr>
+          </a:p>
+        </p:txBody>
+      </p:sp>
     </p:spTree>
     <p:extLst>
       <p:ext uri="{BB962C8B-B14F-4D97-AF65-F5344CB8AC3E}">
@@ -4041,6 +3972,13 @@
   <p:clrMapOvr>
     <a:masterClrMapping/>
   </p:clrMapOvr>
+  <p:timing>
+    <p:tnLst>
+      <p:par>
+        <p:cTn id="1" dur="indefinite" restart="never" nodeType="tmRoot"/>
+      </p:par>
+    </p:tnLst>
+  </p:timing>
 </p:sld>
 </file>
 
